--- a/wps/word/04项目符号和编号/04项目符号和编号.pptx
+++ b/wps/word/04项目符号和编号/04项目符号和编号.pptx
@@ -3191,64 +3191,6 @@
           </a:prstGeom>
         </p:spPr>
       </p:pic>
-      <p:sp>
-        <p:nvSpPr>
-          <p:cNvPr id="6" name="文本框 5"/>
-          <p:cNvSpPr txBox="1"/>
-          <p:nvPr/>
-        </p:nvSpPr>
-        <p:spPr>
-          <a:xfrm>
-            <a:off x="1331595" y="5303520"/>
-            <a:ext cx="4839335" cy="368300"/>
-          </a:xfrm>
-          <a:prstGeom prst="rect">
-            <a:avLst/>
-          </a:prstGeom>
-          <a:noFill/>
-        </p:spPr>
-        <p:txBody>
-          <a:bodyPr wrap="none" rtlCol="0" anchor="t">
-            <a:spAutoFit/>
-          </a:bodyPr>
-          <a:lstStyle/>
-          <a:p>
-            <a:r>
-              <a:rPr lang="zh-CN" altLang="en-US" dirty="0">
-                <a:sym typeface="+mn-ea"/>
-              </a:rPr>
-              <a:t>备注：案例来源于阿福课堂二级</a:t>
-            </a:r>
-            <a:r>
-              <a:rPr lang="en-US" altLang="zh-CN" dirty="0">
-                <a:sym typeface="+mn-ea"/>
-              </a:rPr>
-              <a:t>WPS</a:t>
-            </a:r>
-            <a:r>
-              <a:rPr lang="zh-CN" altLang="en-US" dirty="0">
-                <a:sym typeface="+mn-ea"/>
-              </a:rPr>
-              <a:t>题库第</a:t>
-            </a:r>
-            <a:r>
-              <a:rPr lang="en-US" altLang="zh-CN" dirty="0">
-                <a:sym typeface="+mn-ea"/>
-              </a:rPr>
-              <a:t>4</a:t>
-            </a:r>
-            <a:r>
-              <a:rPr lang="zh-CN" altLang="en-US" dirty="0">
-                <a:sym typeface="+mn-ea"/>
-              </a:rPr>
-              <a:t>套</a:t>
-            </a:r>
-            <a:endParaRPr lang="zh-CN" altLang="en-US" dirty="0">
-              <a:sym typeface="+mn-ea"/>
-            </a:endParaRPr>
-          </a:p>
-        </p:txBody>
-      </p:sp>
     </p:spTree>
   </p:cSld>
   <p:clrMapOvr>
@@ -3444,62 +3386,6 @@
               <a:t>为顶格左对齐（对齐位置为0厘米）。</a:t>
             </a:r>
             <a:endParaRPr lang="en-US" altLang="zh-CN" sz="2400" dirty="0"/>
-          </a:p>
-        </p:txBody>
-      </p:sp>
-      <p:sp>
-        <p:nvSpPr>
-          <p:cNvPr id="5" name="文本框 4"/>
-          <p:cNvSpPr txBox="1"/>
-          <p:nvPr/>
-        </p:nvSpPr>
-        <p:spPr>
-          <a:xfrm>
-            <a:off x="983615" y="5160645"/>
-            <a:ext cx="5457825" cy="368300"/>
-          </a:xfrm>
-          <a:prstGeom prst="rect">
-            <a:avLst/>
-          </a:prstGeom>
-          <a:noFill/>
-        </p:spPr>
-        <p:txBody>
-          <a:bodyPr wrap="square" rtlCol="0">
-            <a:spAutoFit/>
-          </a:bodyPr>
-          <a:lstStyle/>
-          <a:p>
-            <a:r>
-              <a:rPr lang="zh-CN" altLang="en-US"/>
-              <a:t>备注：案例来源于</a:t>
-            </a:r>
-            <a:r>
-              <a:rPr lang="zh-CN" altLang="en-US">
-                <a:sym typeface="+mn-ea"/>
-              </a:rPr>
-              <a:t>阿福课堂二级</a:t>
-            </a:r>
-            <a:r>
-              <a:rPr lang="en-US" altLang="zh-CN">
-                <a:sym typeface="+mn-ea"/>
-              </a:rPr>
-              <a:t>WPS</a:t>
-            </a:r>
-            <a:r>
-              <a:rPr lang="zh-CN" altLang="en-US">
-                <a:sym typeface="+mn-ea"/>
-              </a:rPr>
-              <a:t>题库第</a:t>
-            </a:r>
-            <a:r>
-              <a:rPr lang="en-US" altLang="zh-CN"/>
-              <a:t>1</a:t>
-            </a:r>
-            <a:r>
-              <a:rPr lang="zh-CN" altLang="en-US"/>
-              <a:t>套</a:t>
-            </a:r>
-            <a:endParaRPr lang="zh-CN" altLang="en-US"/>
           </a:p>
         </p:txBody>
       </p:sp>
